--- a/SmartGrid - Copie.pptx
+++ b/SmartGrid - Copie.pptx
@@ -471,7 +471,7 @@
     </p:spTree>
     <p:extLst>
       <p:ext uri="{BB962C8B-B14F-4D97-AF65-F5344CB8AC3E}">
-        <p14:creationId xmlns:p14="http://schemas.microsoft.com/office/powerpoint/2010/main" xmlns="" val="1100833364"/>
+        <p14:creationId xmlns="" xmlns:p14="http://schemas.microsoft.com/office/powerpoint/2010/main" val="1100833364"/>
       </p:ext>
     </p:extLst>
   </p:cSld>
@@ -4648,7 +4648,7 @@
         </p:nvSpPr>
         <p:spPr bwMode="auto">
           <a:xfrm>
-            <a:off x="7849072" y="9720590"/>
+            <a:off x="7960251" y="9720590"/>
             <a:ext cx="3561229" cy="646331"/>
           </a:xfrm>
           <a:prstGeom prst="rect">
@@ -4922,7 +4922,7 @@
         </p:nvSpPr>
         <p:spPr bwMode="auto">
           <a:xfrm>
-            <a:off x="7777064" y="14761150"/>
+            <a:off x="7895342" y="14761150"/>
             <a:ext cx="3410114" cy="646331"/>
           </a:xfrm>
           <a:prstGeom prst="rect">
@@ -5229,11 +5229,7 @@
             </a:r>
             <a:r>
               <a:rPr lang="fr-FR" dirty="0" smtClean="0"/>
-              <a:t> of </a:t>
-            </a:r>
-            <a:r>
-              <a:rPr lang="fr-FR" dirty="0" smtClean="0"/>
-              <a:t>coalitions</a:t>
+              <a:t> of coalitions</a:t>
             </a:r>
           </a:p>
           <a:p>
@@ -5310,11 +5306,7 @@
             </a:r>
             <a:r>
               <a:rPr lang="fr-FR" dirty="0" smtClean="0"/>
-              <a:t> </a:t>
-            </a:r>
-            <a:r>
-              <a:rPr lang="fr-FR" dirty="0" smtClean="0"/>
-              <a:t>acceptable :</a:t>
+              <a:t> acceptable :</a:t>
             </a:r>
           </a:p>
           <a:p>
@@ -5338,17 +5330,8 @@
               <a:rPr lang="fr-FR" dirty="0" smtClean="0">
                 <a:effectLst/>
               </a:rPr>
-              <a:t> </a:t>
-            </a:r>
-            <a:r>
-              <a:rPr lang="fr-FR" dirty="0" smtClean="0">
-                <a:effectLst/>
-              </a:rPr>
-              <a:t>acceptable :</a:t>
-            </a:r>
-            <a:endParaRPr lang="fr-FR" dirty="0" smtClean="0">
-              <a:effectLst/>
-            </a:endParaRPr>
+              <a:t> acceptable :</a:t>
+            </a:r>
           </a:p>
         </p:txBody>
       </p:sp>
@@ -5389,7 +5372,7 @@
         </p:nvSpPr>
         <p:spPr>
           <a:xfrm>
-            <a:off x="7849072" y="10366921"/>
+            <a:off x="7921080" y="10366921"/>
             <a:ext cx="4608512" cy="4154984"/>
           </a:xfrm>
           <a:prstGeom prst="rect">
@@ -5577,7 +5560,7 @@
         </p:nvSpPr>
         <p:spPr bwMode="auto">
           <a:xfrm>
-            <a:off x="7705056" y="15277981"/>
+            <a:off x="7777064" y="15277981"/>
             <a:ext cx="12529392" cy="1569660"/>
           </a:xfrm>
           <a:prstGeom prst="rect">
@@ -6001,8 +5984,8 @@
         </p:blipFill>
         <p:spPr>
           <a:xfrm>
-            <a:off x="200" y="10090298"/>
-            <a:ext cx="9721080" cy="9213140"/>
+            <a:off x="200" y="9817316"/>
+            <a:ext cx="10009112" cy="9486122"/>
           </a:xfrm>
           <a:prstGeom prst="rect">
             <a:avLst/>
@@ -6041,30 +6024,6 @@
           </a:ln>
         </p:spPr>
       </p:pic>
-      <p:pic>
-        <p:nvPicPr>
-          <p:cNvPr id="43" name="Image 42" descr="search-1.png"/>
-          <p:cNvPicPr>
-            <a:picLocks noChangeAspect="1"/>
-          </p:cNvPicPr>
-          <p:nvPr/>
-        </p:nvPicPr>
-        <p:blipFill>
-          <a:blip r:embed="rId5" cstate="print"/>
-          <a:stretch>
-            <a:fillRect/>
-          </a:stretch>
-        </p:blipFill>
-        <p:spPr>
-          <a:xfrm>
-            <a:off x="22414972" y="7342585"/>
-            <a:ext cx="6388428" cy="3672408"/>
-          </a:xfrm>
-          <a:prstGeom prst="rect">
-            <a:avLst/>
-          </a:prstGeom>
-        </p:spPr>
-      </p:pic>
       <p:sp>
         <p:nvSpPr>
           <p:cNvPr id="51" name="Text Box 29"/>
@@ -6157,17 +6116,8 @@
               <a:rPr lang="en-US" dirty="0" smtClean="0">
                 <a:latin typeface="Arial Bold" pitchFamily="80" charset="0"/>
               </a:rPr>
-              <a:t>Random search with stopping criterion </a:t>
-            </a:r>
-            <a:r>
-              <a:rPr lang="en-US" dirty="0" smtClean="0">
-                <a:latin typeface="Arial Bold" pitchFamily="80" charset="0"/>
-              </a:rPr>
-              <a:t>(red curves)</a:t>
-            </a:r>
-            <a:endParaRPr lang="en-US" dirty="0" smtClean="0">
-              <a:latin typeface="Arial Bold" pitchFamily="80" charset="0"/>
-            </a:endParaRPr>
+              <a:t>Random search with stopping criterion (red curves)</a:t>
+            </a:r>
           </a:p>
           <a:p>
             <a:pPr marL="1428750" lvl="2" indent="-514350">
@@ -6178,17 +6128,8 @@
               <a:rPr lang="en-US" dirty="0" smtClean="0">
                 <a:latin typeface="Arial Bold" pitchFamily="80" charset="0"/>
               </a:rPr>
-              <a:t>Correlated coalitions (worst </a:t>
-            </a:r>
-            <a:r>
-              <a:rPr lang="en-US" dirty="0" smtClean="0">
-                <a:latin typeface="Arial Bold" pitchFamily="80" charset="0"/>
-              </a:rPr>
-              <a:t>case, green curves)</a:t>
-            </a:r>
-            <a:endParaRPr lang="en-US" dirty="0" smtClean="0">
-              <a:latin typeface="Arial Bold" pitchFamily="80" charset="0"/>
-            </a:endParaRPr>
+              <a:t>Correlated coalitions (worst case, green curves)</a:t>
+            </a:r>
           </a:p>
           <a:p>
             <a:pPr marL="514350" indent="-514350">
@@ -6483,7 +6424,7 @@
         </p:nvSpPr>
         <p:spPr>
           <a:xfrm>
-            <a:off x="3312568" y="3886201"/>
+            <a:off x="3312568" y="3870514"/>
             <a:ext cx="9217024" cy="5632311"/>
           </a:xfrm>
           <a:prstGeom prst="rect">
@@ -6574,7 +6515,7 @@
           <p:nvPr/>
         </p:nvPicPr>
         <p:blipFill>
-          <a:blip r:embed="rId6"/>
+          <a:blip r:embed="rId5"/>
           <a:srcRect/>
           <a:stretch>
             <a:fillRect/>
@@ -6622,11 +6563,7 @@
             <a:pPr algn="just"/>
             <a:r>
               <a:rPr lang="en-US" sz="2100" dirty="0" smtClean="0"/>
-              <a:t>The </a:t>
-            </a:r>
-            <a:r>
-              <a:rPr lang="en-US" sz="2100" dirty="0" smtClean="0"/>
-              <a:t>originality of this paper lies in its willingness to exploit the de-correlation of </a:t>
+              <a:t>The originality of this paper lies in its willingness to exploit the de-correlation of </a:t>
             </a:r>
             <a:r>
               <a:rPr lang="en-US" sz="2100" dirty="0" err="1" smtClean="0"/>
@@ -6634,15 +6571,7 @@
             </a:r>
             <a:r>
               <a:rPr lang="en-US" sz="2100" dirty="0" smtClean="0"/>
-              <a:t> profiles in order to build stable coalitions. In this direction, we presented a model based on meteorological traces, that captures the complex </a:t>
-            </a:r>
-            <a:r>
-              <a:rPr lang="en-US" sz="2100" dirty="0" smtClean="0"/>
-              <a:t>climate vectors </a:t>
-            </a:r>
-            <a:r>
-              <a:rPr lang="en-US" sz="2100" dirty="0" smtClean="0"/>
-              <a:t>combination and generates realistic production and consumption patterns. We then built a framework that enables the grid to specify stability and minimum production requirements for filtering the coalitions. On this basis, we proposed a simple algorithm that seeks for uncorrelated </a:t>
+              <a:t> profiles in order to build stable coalitions. In this direction, we presented a model based on meteorological traces, that captures the complex climate vectors combination and generates realistic production and consumption patterns. We then built a framework that enables the grid to specify stability and minimum production requirements for filtering the coalitions. On this basis, we proposed a simple algorithm that seeks for uncorrelated </a:t>
             </a:r>
             <a:r>
               <a:rPr lang="en-US" sz="2100" dirty="0" err="1" smtClean="0"/>
@@ -6753,7 +6682,7 @@
           <p:nvPr/>
         </p:nvPicPr>
         <p:blipFill>
-          <a:blip r:embed="rId7"/>
+          <a:blip r:embed="rId6"/>
           <a:srcRect/>
           <a:stretch>
             <a:fillRect/>
@@ -6814,7 +6743,7 @@
           <p:nvPr/>
         </p:nvPicPr>
         <p:blipFill>
-          <a:blip r:embed="rId8"/>
+          <a:blip r:embed="rId7"/>
           <a:srcRect/>
           <a:stretch>
             <a:fillRect/>
@@ -6846,7 +6775,7 @@
           <p:nvPr/>
         </p:nvPicPr>
         <p:blipFill>
-          <a:blip r:embed="rId9"/>
+          <a:blip r:embed="rId8"/>
           <a:srcRect/>
           <a:stretch>
             <a:fillRect/>
@@ -6878,7 +6807,7 @@
           <p:nvPr/>
         </p:nvPicPr>
         <p:blipFill>
-          <a:blip r:embed="rId10"/>
+          <a:blip r:embed="rId9"/>
           <a:srcRect/>
           <a:stretch>
             <a:fillRect/>
@@ -6910,7 +6839,7 @@
           <p:nvPr/>
         </p:nvPicPr>
         <p:blipFill>
-          <a:blip r:embed="rId11"/>
+          <a:blip r:embed="rId10"/>
           <a:srcRect/>
           <a:stretch>
             <a:fillRect/>
@@ -6942,7 +6871,7 @@
           <p:nvPr/>
         </p:nvPicPr>
         <p:blipFill>
-          <a:blip r:embed="rId12"/>
+          <a:blip r:embed="rId11"/>
           <a:srcRect/>
           <a:stretch>
             <a:fillRect/>
@@ -6963,6 +6892,54 @@
             <a:headEnd/>
             <a:tailEnd/>
           </a:ln>
+        </p:spPr>
+      </p:pic>
+      <p:pic>
+        <p:nvPicPr>
+          <p:cNvPr id="49" name="Image 48" descr="CO.png"/>
+          <p:cNvPicPr>
+            <a:picLocks noChangeAspect="1"/>
+          </p:cNvPicPr>
+          <p:nvPr/>
+        </p:nvPicPr>
+        <p:blipFill>
+          <a:blip r:embed="rId12"/>
+          <a:stretch>
+            <a:fillRect/>
+          </a:stretch>
+        </p:blipFill>
+        <p:spPr>
+          <a:xfrm>
+            <a:off x="22682720" y="8278689"/>
+            <a:ext cx="2976066" cy="2376264"/>
+          </a:xfrm>
+          <a:prstGeom prst="rect">
+            <a:avLst/>
+          </a:prstGeom>
+        </p:spPr>
+      </p:pic>
+      <p:pic>
+        <p:nvPicPr>
+          <p:cNvPr id="50" name="Image 49" descr="UNCO.png"/>
+          <p:cNvPicPr>
+            <a:picLocks noChangeAspect="1"/>
+          </p:cNvPicPr>
+          <p:nvPr/>
+        </p:nvPicPr>
+        <p:blipFill>
+          <a:blip r:embed="rId13"/>
+          <a:stretch>
+            <a:fillRect/>
+          </a:stretch>
+        </p:blipFill>
+        <p:spPr>
+          <a:xfrm>
+            <a:off x="25851072" y="7342584"/>
+            <a:ext cx="2952329" cy="3727191"/>
+          </a:xfrm>
+          <a:prstGeom prst="rect">
+            <a:avLst/>
+          </a:prstGeom>
         </p:spPr>
       </p:pic>
     </p:spTree>

--- a/SmartGrid - Copie.pptx
+++ b/SmartGrid - Copie.pptx
@@ -471,7 +471,7 @@
     </p:spTree>
     <p:extLst>
       <p:ext uri="{BB962C8B-B14F-4D97-AF65-F5344CB8AC3E}">
-        <p14:creationId xmlns="" xmlns:p14="http://schemas.microsoft.com/office/powerpoint/2010/main" val="1100833364"/>
+        <p14:creationId xmlns:p14="http://schemas.microsoft.com/office/powerpoint/2010/main" xmlns="" val="1100833364"/>
       </p:ext>
     </p:extLst>
   </p:cSld>
@@ -4338,7 +4338,12 @@
             <p:ph type="title"/>
           </p:nvPr>
         </p:nvSpPr>
-        <p:spPr/>
+        <p:spPr>
+          <a:xfrm>
+            <a:off x="5995721" y="288032"/>
+            <a:ext cx="14328759" cy="2374033"/>
+          </a:xfrm>
+        </p:spPr>
         <p:txBody>
           <a:bodyPr/>
           <a:lstStyle/>
@@ -6942,6 +6947,76 @@
           </a:prstGeom>
         </p:spPr>
       </p:pic>
+      <p:sp>
+        <p:nvSpPr>
+          <p:cNvPr id="43" name="ZoneTexte 42"/>
+          <p:cNvSpPr txBox="1"/>
+          <p:nvPr/>
+        </p:nvSpPr>
+        <p:spPr>
+          <a:xfrm>
+            <a:off x="6264896" y="2302025"/>
+            <a:ext cx="14545616" cy="461665"/>
+          </a:xfrm>
+          <a:prstGeom prst="rect">
+            <a:avLst/>
+          </a:prstGeom>
+          <a:noFill/>
+        </p:spPr>
+        <p:txBody>
+          <a:bodyPr wrap="square" rtlCol="0">
+            <a:spAutoFit/>
+          </a:bodyPr>
+          <a:lstStyle/>
+          <a:p>
+            <a:r>
+              <a:rPr lang="en-US" b="1" i="1" dirty="0" smtClean="0">
+                <a:solidFill>
+                  <a:schemeClr val="bg1"/>
+                </a:solidFill>
+              </a:rPr>
+              <a:t>IEEE ICC 2015. Communications </a:t>
+            </a:r>
+            <a:r>
+              <a:rPr lang="en-US" b="1" i="1" dirty="0" err="1" smtClean="0">
+                <a:solidFill>
+                  <a:schemeClr val="bg1"/>
+                </a:solidFill>
+              </a:rPr>
+              <a:t>QoS</a:t>
+            </a:r>
+            <a:r>
+              <a:rPr lang="en-US" b="1" i="1" dirty="0" smtClean="0">
+                <a:solidFill>
+                  <a:schemeClr val="bg1"/>
+                </a:solidFill>
+              </a:rPr>
+              <a:t>, Reliability and Modeling </a:t>
+            </a:r>
+            <a:r>
+              <a:rPr lang="en-US" b="1" i="1" dirty="0" smtClean="0">
+                <a:solidFill>
+                  <a:schemeClr val="bg1"/>
+                </a:solidFill>
+              </a:rPr>
+              <a:t>Symposium.   Session </a:t>
+            </a:r>
+            <a:r>
+              <a:rPr lang="fr-FR" b="1" dirty="0" smtClean="0">
+                <a:solidFill>
+                  <a:schemeClr val="bg1"/>
+                </a:solidFill>
+              </a:rPr>
+              <a:t>CQRM-I01</a:t>
+            </a:r>
+            <a:endParaRPr lang="en-US" b="1" i="1" dirty="0">
+              <a:solidFill>
+                <a:schemeClr val="bg1"/>
+              </a:solidFill>
+            </a:endParaRPr>
+          </a:p>
+        </p:txBody>
+      </p:sp>
     </p:spTree>
   </p:cSld>
   <p:clrMapOvr>
